--- a/edit/シラバス図.pptx
+++ b/edit/シラバス図.pptx
@@ -196,7 +196,7 @@
             <a:fld id="{634998B1-0A36-4200-873D-B67F5B11BAA8}" type="datetimeFigureOut">
               <a:rPr kumimoji="1" lang="ja-JP" altLang="en-US" smtClean="0"/>
               <a:pPr/>
-              <a:t>2009/10/31</a:t>
+              <a:t>2011/1/15</a:t>
             </a:fld>
             <a:endParaRPr kumimoji="1" lang="ja-JP" altLang="en-US"/>
           </a:p>
@@ -390,13 +390,18 @@
             <a:fld id="{CD55C522-F1B4-47E9-A5A1-31A048BD1A2D}" type="slidenum">
               <a:rPr kumimoji="1" lang="ja-JP" altLang="en-US" smtClean="0"/>
               <a:pPr/>
-              <a:t>&lt;#&gt;</a:t>
+              <a:t>‹#›</a:t>
             </a:fld>
             <a:endParaRPr kumimoji="1" lang="ja-JP" altLang="en-US"/>
           </a:p>
         </p:txBody>
       </p:sp>
     </p:spTree>
+    <p:extLst>
+      <p:ext uri="{BB962C8B-B14F-4D97-AF65-F5344CB8AC3E}">
+        <p14:creationId xmlns:p14="http://schemas.microsoft.com/office/powerpoint/2010/main" val="2645843499"/>
+      </p:ext>
+    </p:extLst>
   </p:cSld>
   <p:clrMap bg1="lt1" tx1="dk1" bg2="lt2" tx2="dk2" accent1="accent1" accent2="accent2" accent3="accent3" accent4="accent4" accent5="accent5" accent6="accent6" hlink="hlink" folHlink="folHlink"/>
   <p:notesStyle>
@@ -996,7 +1001,7 @@
             <a:fld id="{56A717DB-7D90-4EF6-A51D-4D9A9134E2E7}" type="datetimeFigureOut">
               <a:rPr kumimoji="1" lang="ja-JP" altLang="en-US" smtClean="0"/>
               <a:pPr/>
-              <a:t>2009/10/31</a:t>
+              <a:t>2011/1/15</a:t>
             </a:fld>
             <a:endParaRPr kumimoji="1" lang="ja-JP" altLang="en-US"/>
           </a:p>
@@ -1039,7 +1044,7 @@
             <a:fld id="{5E3028C4-93BB-4B86-AC47-91D423155D24}" type="slidenum">
               <a:rPr kumimoji="1" lang="ja-JP" altLang="en-US" smtClean="0"/>
               <a:pPr/>
-              <a:t>&lt;#&gt;</a:t>
+              <a:t>‹#›</a:t>
             </a:fld>
             <a:endParaRPr kumimoji="1" lang="ja-JP" altLang="en-US"/>
           </a:p>
@@ -1195,7 +1200,7 @@
             <a:fld id="{56A717DB-7D90-4EF6-A51D-4D9A9134E2E7}" type="datetimeFigureOut">
               <a:rPr kumimoji="1" lang="ja-JP" altLang="en-US" smtClean="0"/>
               <a:pPr/>
-              <a:t>2009/10/31</a:t>
+              <a:t>2011/1/15</a:t>
             </a:fld>
             <a:endParaRPr kumimoji="1" lang="ja-JP" altLang="en-US"/>
           </a:p>
@@ -1238,7 +1243,7 @@
             <a:fld id="{5E3028C4-93BB-4B86-AC47-91D423155D24}" type="slidenum">
               <a:rPr kumimoji="1" lang="ja-JP" altLang="en-US" smtClean="0"/>
               <a:pPr/>
-              <a:t>&lt;#&gt;</a:t>
+              <a:t>‹#›</a:t>
             </a:fld>
             <a:endParaRPr kumimoji="1" lang="ja-JP" altLang="en-US"/>
           </a:p>
@@ -1404,7 +1409,7 @@
             <a:fld id="{56A717DB-7D90-4EF6-A51D-4D9A9134E2E7}" type="datetimeFigureOut">
               <a:rPr kumimoji="1" lang="ja-JP" altLang="en-US" smtClean="0"/>
               <a:pPr/>
-              <a:t>2009/10/31</a:t>
+              <a:t>2011/1/15</a:t>
             </a:fld>
             <a:endParaRPr kumimoji="1" lang="ja-JP" altLang="en-US"/>
           </a:p>
@@ -1447,7 +1452,7 @@
             <a:fld id="{5E3028C4-93BB-4B86-AC47-91D423155D24}" type="slidenum">
               <a:rPr kumimoji="1" lang="ja-JP" altLang="en-US" smtClean="0"/>
               <a:pPr/>
-              <a:t>&lt;#&gt;</a:t>
+              <a:t>‹#›</a:t>
             </a:fld>
             <a:endParaRPr kumimoji="1" lang="ja-JP" altLang="en-US"/>
           </a:p>
@@ -1603,7 +1608,7 @@
             <a:fld id="{56A717DB-7D90-4EF6-A51D-4D9A9134E2E7}" type="datetimeFigureOut">
               <a:rPr kumimoji="1" lang="ja-JP" altLang="en-US" smtClean="0"/>
               <a:pPr/>
-              <a:t>2009/10/31</a:t>
+              <a:t>2011/1/15</a:t>
             </a:fld>
             <a:endParaRPr kumimoji="1" lang="ja-JP" altLang="en-US"/>
           </a:p>
@@ -1646,7 +1651,7 @@
             <a:fld id="{5E3028C4-93BB-4B86-AC47-91D423155D24}" type="slidenum">
               <a:rPr kumimoji="1" lang="ja-JP" altLang="en-US" smtClean="0"/>
               <a:pPr/>
-              <a:t>&lt;#&gt;</a:t>
+              <a:t>‹#›</a:t>
             </a:fld>
             <a:endParaRPr kumimoji="1" lang="ja-JP" altLang="en-US"/>
           </a:p>
@@ -1846,7 +1851,7 @@
             <a:fld id="{56A717DB-7D90-4EF6-A51D-4D9A9134E2E7}" type="datetimeFigureOut">
               <a:rPr kumimoji="1" lang="ja-JP" altLang="en-US" smtClean="0"/>
               <a:pPr/>
-              <a:t>2009/10/31</a:t>
+              <a:t>2011/1/15</a:t>
             </a:fld>
             <a:endParaRPr kumimoji="1" lang="ja-JP" altLang="en-US"/>
           </a:p>
@@ -1889,7 +1894,7 @@
             <a:fld id="{5E3028C4-93BB-4B86-AC47-91D423155D24}" type="slidenum">
               <a:rPr kumimoji="1" lang="ja-JP" altLang="en-US" smtClean="0"/>
               <a:pPr/>
-              <a:t>&lt;#&gt;</a:t>
+              <a:t>‹#›</a:t>
             </a:fld>
             <a:endParaRPr kumimoji="1" lang="ja-JP" altLang="en-US"/>
           </a:p>
@@ -2195,7 +2200,7 @@
             <a:fld id="{56A717DB-7D90-4EF6-A51D-4D9A9134E2E7}" type="datetimeFigureOut">
               <a:rPr kumimoji="1" lang="ja-JP" altLang="en-US" smtClean="0"/>
               <a:pPr/>
-              <a:t>2009/10/31</a:t>
+              <a:t>2011/1/15</a:t>
             </a:fld>
             <a:endParaRPr kumimoji="1" lang="ja-JP" altLang="en-US"/>
           </a:p>
@@ -2238,7 +2243,7 @@
             <a:fld id="{5E3028C4-93BB-4B86-AC47-91D423155D24}" type="slidenum">
               <a:rPr kumimoji="1" lang="ja-JP" altLang="en-US" smtClean="0"/>
               <a:pPr/>
-              <a:t>&lt;#&gt;</a:t>
+              <a:t>‹#›</a:t>
             </a:fld>
             <a:endParaRPr kumimoji="1" lang="ja-JP" altLang="en-US"/>
           </a:p>
@@ -2678,7 +2683,7 @@
             <a:fld id="{56A717DB-7D90-4EF6-A51D-4D9A9134E2E7}" type="datetimeFigureOut">
               <a:rPr kumimoji="1" lang="ja-JP" altLang="en-US" smtClean="0"/>
               <a:pPr/>
-              <a:t>2009/10/31</a:t>
+              <a:t>2011/1/15</a:t>
             </a:fld>
             <a:endParaRPr kumimoji="1" lang="ja-JP" altLang="en-US"/>
           </a:p>
@@ -2721,7 +2726,7 @@
             <a:fld id="{5E3028C4-93BB-4B86-AC47-91D423155D24}" type="slidenum">
               <a:rPr kumimoji="1" lang="ja-JP" altLang="en-US" smtClean="0"/>
               <a:pPr/>
-              <a:t>&lt;#&gt;</a:t>
+              <a:t>‹#›</a:t>
             </a:fld>
             <a:endParaRPr kumimoji="1" lang="ja-JP" altLang="en-US"/>
           </a:p>
@@ -2793,7 +2798,7 @@
             <a:fld id="{56A717DB-7D90-4EF6-A51D-4D9A9134E2E7}" type="datetimeFigureOut">
               <a:rPr kumimoji="1" lang="ja-JP" altLang="en-US" smtClean="0"/>
               <a:pPr/>
-              <a:t>2009/10/31</a:t>
+              <a:t>2011/1/15</a:t>
             </a:fld>
             <a:endParaRPr kumimoji="1" lang="ja-JP" altLang="en-US"/>
           </a:p>
@@ -2836,7 +2841,7 @@
             <a:fld id="{5E3028C4-93BB-4B86-AC47-91D423155D24}" type="slidenum">
               <a:rPr kumimoji="1" lang="ja-JP" altLang="en-US" smtClean="0"/>
               <a:pPr/>
-              <a:t>&lt;#&gt;</a:t>
+              <a:t>‹#›</a:t>
             </a:fld>
             <a:endParaRPr kumimoji="1" lang="ja-JP" altLang="en-US"/>
           </a:p>
@@ -2885,7 +2890,7 @@
             <a:fld id="{56A717DB-7D90-4EF6-A51D-4D9A9134E2E7}" type="datetimeFigureOut">
               <a:rPr kumimoji="1" lang="ja-JP" altLang="en-US" smtClean="0"/>
               <a:pPr/>
-              <a:t>2009/10/31</a:t>
+              <a:t>2011/1/15</a:t>
             </a:fld>
             <a:endParaRPr kumimoji="1" lang="ja-JP" altLang="en-US"/>
           </a:p>
@@ -2928,7 +2933,7 @@
             <a:fld id="{5E3028C4-93BB-4B86-AC47-91D423155D24}" type="slidenum">
               <a:rPr kumimoji="1" lang="ja-JP" altLang="en-US" smtClean="0"/>
               <a:pPr/>
-              <a:t>&lt;#&gt;</a:t>
+              <a:t>‹#›</a:t>
             </a:fld>
             <a:endParaRPr kumimoji="1" lang="ja-JP" altLang="en-US"/>
           </a:p>
@@ -3191,7 +3196,7 @@
             <a:fld id="{56A717DB-7D90-4EF6-A51D-4D9A9134E2E7}" type="datetimeFigureOut">
               <a:rPr kumimoji="1" lang="ja-JP" altLang="en-US" smtClean="0"/>
               <a:pPr/>
-              <a:t>2009/10/31</a:t>
+              <a:t>2011/1/15</a:t>
             </a:fld>
             <a:endParaRPr kumimoji="1" lang="ja-JP" altLang="en-US"/>
           </a:p>
@@ -3234,7 +3239,7 @@
             <a:fld id="{5E3028C4-93BB-4B86-AC47-91D423155D24}" type="slidenum">
               <a:rPr kumimoji="1" lang="ja-JP" altLang="en-US" smtClean="0"/>
               <a:pPr/>
-              <a:t>&lt;#&gt;</a:t>
+              <a:t>‹#›</a:t>
             </a:fld>
             <a:endParaRPr kumimoji="1" lang="ja-JP" altLang="en-US"/>
           </a:p>
@@ -3441,7 +3446,7 @@
             <a:fld id="{56A717DB-7D90-4EF6-A51D-4D9A9134E2E7}" type="datetimeFigureOut">
               <a:rPr kumimoji="1" lang="ja-JP" altLang="en-US" smtClean="0"/>
               <a:pPr/>
-              <a:t>2009/10/31</a:t>
+              <a:t>2011/1/15</a:t>
             </a:fld>
             <a:endParaRPr kumimoji="1" lang="ja-JP" altLang="en-US"/>
           </a:p>
@@ -3484,7 +3489,7 @@
             <a:fld id="{5E3028C4-93BB-4B86-AC47-91D423155D24}" type="slidenum">
               <a:rPr kumimoji="1" lang="ja-JP" altLang="en-US" smtClean="0"/>
               <a:pPr/>
-              <a:t>&lt;#&gt;</a:t>
+              <a:t>‹#›</a:t>
             </a:fld>
             <a:endParaRPr kumimoji="1" lang="ja-JP" altLang="en-US"/>
           </a:p>
@@ -3683,7 +3688,7 @@
             <a:fld id="{56A717DB-7D90-4EF6-A51D-4D9A9134E2E7}" type="datetimeFigureOut">
               <a:rPr kumimoji="1" lang="ja-JP" altLang="en-US" smtClean="0"/>
               <a:pPr/>
-              <a:t>2009/10/31</a:t>
+              <a:t>2011/1/15</a:t>
             </a:fld>
             <a:endParaRPr kumimoji="1" lang="ja-JP" altLang="en-US"/>
           </a:p>
@@ -3762,7 +3767,7 @@
             <a:fld id="{5E3028C4-93BB-4B86-AC47-91D423155D24}" type="slidenum">
               <a:rPr kumimoji="1" lang="ja-JP" altLang="en-US" smtClean="0"/>
               <a:pPr/>
-              <a:t>&lt;#&gt;</a:t>
+              <a:t>‹#›</a:t>
             </a:fld>
             <a:endParaRPr kumimoji="1" lang="ja-JP" altLang="en-US"/>
           </a:p>
@@ -5771,42 +5776,6 @@
           </a:fontRef>
         </p:style>
       </p:cxnSp>
-      <p:cxnSp>
-        <p:nvCxnSpPr>
-          <p:cNvPr id="44" name="図形 43"/>
-          <p:cNvCxnSpPr/>
-          <p:nvPr/>
-        </p:nvCxnSpPr>
-        <p:spPr>
-          <a:xfrm rot="5400000" flipH="1">
-            <a:off x="7352011" y="3292195"/>
-            <a:ext cx="83580" cy="785818"/>
-          </a:xfrm>
-          <a:prstGeom prst="bentConnector4">
-            <a:avLst>
-              <a:gd name="adj1" fmla="val -112623"/>
-              <a:gd name="adj2" fmla="val 112191"/>
-            </a:avLst>
-          </a:prstGeom>
-          <a:ln>
-            <a:tailEnd type="arrow"/>
-          </a:ln>
-        </p:spPr>
-        <p:style>
-          <a:lnRef idx="1">
-            <a:schemeClr val="accent1"/>
-          </a:lnRef>
-          <a:fillRef idx="0">
-            <a:schemeClr val="accent1"/>
-          </a:fillRef>
-          <a:effectRef idx="0">
-            <a:schemeClr val="accent1"/>
-          </a:effectRef>
-          <a:fontRef idx="minor">
-            <a:schemeClr val="tx1"/>
-          </a:fontRef>
-        </p:style>
-      </p:cxnSp>
     </p:spTree>
   </p:cSld>
   <p:clrMapOvr>
@@ -7492,44 +7461,6 @@
       </p:cxnSp>
       <p:cxnSp>
         <p:nvCxnSpPr>
-          <p:cNvPr id="257" name="図形 256"/>
-          <p:cNvCxnSpPr>
-            <a:stCxn id="252" idx="2"/>
-          </p:cNvCxnSpPr>
-          <p:nvPr/>
-        </p:nvCxnSpPr>
-        <p:spPr>
-          <a:xfrm rot="5400000" flipH="1">
-            <a:off x="7352011" y="3292195"/>
-            <a:ext cx="83580" cy="785818"/>
-          </a:xfrm>
-          <a:prstGeom prst="bentConnector4">
-            <a:avLst>
-              <a:gd name="adj1" fmla="val -112623"/>
-              <a:gd name="adj2" fmla="val 112191"/>
-            </a:avLst>
-          </a:prstGeom>
-          <a:ln>
-            <a:tailEnd type="arrow"/>
-          </a:ln>
-        </p:spPr>
-        <p:style>
-          <a:lnRef idx="1">
-            <a:schemeClr val="accent1"/>
-          </a:lnRef>
-          <a:fillRef idx="0">
-            <a:schemeClr val="accent1"/>
-          </a:fillRef>
-          <a:effectRef idx="0">
-            <a:schemeClr val="accent1"/>
-          </a:effectRef>
-          <a:fontRef idx="minor">
-            <a:schemeClr val="tx1"/>
-          </a:fontRef>
-        </p:style>
-      </p:cxnSp>
-      <p:cxnSp>
-        <p:nvCxnSpPr>
           <p:cNvPr id="274" name="直線矢印コネクタ 273"/>
           <p:cNvCxnSpPr>
             <a:stCxn id="46" idx="3"/>
@@ -8044,11 +7975,7 @@
           <a:p>
             <a:r>
               <a:rPr kumimoji="1" lang="ja-JP" altLang="en-US" dirty="0" smtClean="0"/>
-              <a:t>結果</a:t>
-            </a:r>
-            <a:r>
-              <a:rPr kumimoji="1" lang="ja-JP" altLang="en-US" dirty="0" smtClean="0"/>
-              <a:t>確認画面</a:t>
+              <a:t>結果確認画面</a:t>
             </a:r>
             <a:endParaRPr kumimoji="1" lang="ja-JP" altLang="en-US" dirty="0"/>
           </a:p>
@@ -10145,11 +10072,7 @@
           <a:p>
             <a:r>
               <a:rPr kumimoji="1" lang="ja-JP" altLang="en-US" dirty="0" smtClean="0"/>
-              <a:t>結果</a:t>
-            </a:r>
-            <a:r>
-              <a:rPr kumimoji="1" lang="ja-JP" altLang="en-US" dirty="0" smtClean="0"/>
-              <a:t>確認画面</a:t>
+              <a:t>結果確認画面</a:t>
             </a:r>
             <a:endParaRPr kumimoji="1" lang="ja-JP" altLang="en-US" dirty="0"/>
           </a:p>
@@ -10416,11 +10339,7 @@
           <a:p>
             <a:r>
               <a:rPr kumimoji="1" lang="ja-JP" altLang="en-US" dirty="0" smtClean="0"/>
-              <a:t>結果</a:t>
-            </a:r>
-            <a:r>
-              <a:rPr kumimoji="1" lang="ja-JP" altLang="en-US" dirty="0" smtClean="0"/>
-              <a:t>確認画面</a:t>
+              <a:t>結果確認画面</a:t>
             </a:r>
             <a:endParaRPr kumimoji="1" lang="ja-JP" altLang="en-US" dirty="0"/>
           </a:p>
